--- a/Documents/Presentation2.pptx
+++ b/Documents/Presentation2.pptx
@@ -109,6 +109,11 @@
       </a:defRPr>
     </a:lvl9pPr>
   </p:defaultTextStyle>
+  <p:extLst>
+    <p:ext uri="{EFAFB233-063F-42B5-8137-9DF3F51BA10A}">
+      <p15:sldGuideLst xmlns:p15="http://schemas.microsoft.com/office/powerpoint/2012/main"/>
+    </p:ext>
+  </p:extLst>
 </p:presentation>
 </file>
 
@@ -259,7 +264,7 @@
           <a:p>
             <a:fld id="{89AE1D72-7A6A-47B4-9A78-EB81D39A5452}" type="datetimeFigureOut">
               <a:rPr lang="en-US" smtClean="0"/>
-              <a:t>4/6/2019</a:t>
+              <a:t>4/7/2019</a:t>
             </a:fld>
             <a:endParaRPr lang="en-US"/>
           </a:p>
@@ -457,7 +462,7 @@
           <a:p>
             <a:fld id="{89AE1D72-7A6A-47B4-9A78-EB81D39A5452}" type="datetimeFigureOut">
               <a:rPr lang="en-US" smtClean="0"/>
-              <a:t>4/6/2019</a:t>
+              <a:t>4/7/2019</a:t>
             </a:fld>
             <a:endParaRPr lang="en-US"/>
           </a:p>
@@ -665,7 +670,7 @@
           <a:p>
             <a:fld id="{89AE1D72-7A6A-47B4-9A78-EB81D39A5452}" type="datetimeFigureOut">
               <a:rPr lang="en-US" smtClean="0"/>
-              <a:t>4/6/2019</a:t>
+              <a:t>4/7/2019</a:t>
             </a:fld>
             <a:endParaRPr lang="en-US"/>
           </a:p>
@@ -863,7 +868,7 @@
           <a:p>
             <a:fld id="{89AE1D72-7A6A-47B4-9A78-EB81D39A5452}" type="datetimeFigureOut">
               <a:rPr lang="en-US" smtClean="0"/>
-              <a:t>4/6/2019</a:t>
+              <a:t>4/7/2019</a:t>
             </a:fld>
             <a:endParaRPr lang="en-US"/>
           </a:p>
@@ -1138,7 +1143,7 @@
           <a:p>
             <a:fld id="{89AE1D72-7A6A-47B4-9A78-EB81D39A5452}" type="datetimeFigureOut">
               <a:rPr lang="en-US" smtClean="0"/>
-              <a:t>4/6/2019</a:t>
+              <a:t>4/7/2019</a:t>
             </a:fld>
             <a:endParaRPr lang="en-US"/>
           </a:p>
@@ -1403,7 +1408,7 @@
           <a:p>
             <a:fld id="{89AE1D72-7A6A-47B4-9A78-EB81D39A5452}" type="datetimeFigureOut">
               <a:rPr lang="en-US" smtClean="0"/>
-              <a:t>4/6/2019</a:t>
+              <a:t>4/7/2019</a:t>
             </a:fld>
             <a:endParaRPr lang="en-US"/>
           </a:p>
@@ -1815,7 +1820,7 @@
           <a:p>
             <a:fld id="{89AE1D72-7A6A-47B4-9A78-EB81D39A5452}" type="datetimeFigureOut">
               <a:rPr lang="en-US" smtClean="0"/>
-              <a:t>4/6/2019</a:t>
+              <a:t>4/7/2019</a:t>
             </a:fld>
             <a:endParaRPr lang="en-US"/>
           </a:p>
@@ -1956,7 +1961,7 @@
           <a:p>
             <a:fld id="{89AE1D72-7A6A-47B4-9A78-EB81D39A5452}" type="datetimeFigureOut">
               <a:rPr lang="en-US" smtClean="0"/>
-              <a:t>4/6/2019</a:t>
+              <a:t>4/7/2019</a:t>
             </a:fld>
             <a:endParaRPr lang="en-US"/>
           </a:p>
@@ -2069,7 +2074,7 @@
           <a:p>
             <a:fld id="{89AE1D72-7A6A-47B4-9A78-EB81D39A5452}" type="datetimeFigureOut">
               <a:rPr lang="en-US" smtClean="0"/>
-              <a:t>4/6/2019</a:t>
+              <a:t>4/7/2019</a:t>
             </a:fld>
             <a:endParaRPr lang="en-US"/>
           </a:p>
@@ -2380,7 +2385,7 @@
           <a:p>
             <a:fld id="{89AE1D72-7A6A-47B4-9A78-EB81D39A5452}" type="datetimeFigureOut">
               <a:rPr lang="en-US" smtClean="0"/>
-              <a:t>4/6/2019</a:t>
+              <a:t>4/7/2019</a:t>
             </a:fld>
             <a:endParaRPr lang="en-US"/>
           </a:p>
@@ -2668,7 +2673,7 @@
           <a:p>
             <a:fld id="{89AE1D72-7A6A-47B4-9A78-EB81D39A5452}" type="datetimeFigureOut">
               <a:rPr lang="en-US" smtClean="0"/>
-              <a:t>4/6/2019</a:t>
+              <a:t>4/7/2019</a:t>
             </a:fld>
             <a:endParaRPr lang="en-US"/>
           </a:p>
@@ -2909,7 +2914,7 @@
           <a:p>
             <a:fld id="{89AE1D72-7A6A-47B4-9A78-EB81D39A5452}" type="datetimeFigureOut">
               <a:rPr lang="en-US" smtClean="0"/>
-              <a:t>4/6/2019</a:t>
+              <a:t>4/7/2019</a:t>
             </a:fld>
             <a:endParaRPr lang="en-US"/>
           </a:p>
@@ -3766,6 +3771,42 @@
           </a:p>
         </p:txBody>
       </p:sp>
+      <p:pic>
+        <p:nvPicPr>
+          <p:cNvPr id="5" name="Picture 4">
+            <a:extLst>
+              <a:ext uri="{FF2B5EF4-FFF2-40B4-BE49-F238E27FC236}">
+                <a16:creationId xmlns:a16="http://schemas.microsoft.com/office/drawing/2014/main" id="{4A6B41F3-E14D-4E32-ADA7-125F5FBAB4DD}"/>
+              </a:ext>
+            </a:extLst>
+          </p:cNvPr>
+          <p:cNvPicPr>
+            <a:picLocks noChangeAspect="1"/>
+          </p:cNvPicPr>
+          <p:nvPr/>
+        </p:nvPicPr>
+        <p:blipFill>
+          <a:blip r:embed="rId2">
+            <a:extLst>
+              <a:ext uri="{28A0092B-C50C-407E-A947-70E740481C1C}">
+                <a14:useLocalDpi xmlns:a14="http://schemas.microsoft.com/office/drawing/2010/main" val="0"/>
+              </a:ext>
+            </a:extLst>
+          </a:blip>
+          <a:stretch>
+            <a:fillRect/>
+          </a:stretch>
+        </p:blipFill>
+        <p:spPr>
+          <a:xfrm>
+            <a:off x="7432645" y="4131331"/>
+            <a:ext cx="3414320" cy="2560740"/>
+          </a:xfrm>
+          <a:prstGeom prst="rect">
+            <a:avLst/>
+          </a:prstGeom>
+        </p:spPr>
+      </p:pic>
     </p:spTree>
     <p:extLst>
       <p:ext uri="{BB962C8B-B14F-4D97-AF65-F5344CB8AC3E}">
@@ -4208,6 +4249,36 @@
           </a:p>
         </p:txBody>
       </p:sp>
+      <p:pic>
+        <p:nvPicPr>
+          <p:cNvPr id="6" name="Picture 5">
+            <a:extLst>
+              <a:ext uri="{FF2B5EF4-FFF2-40B4-BE49-F238E27FC236}">
+                <a16:creationId xmlns:a16="http://schemas.microsoft.com/office/drawing/2014/main" id="{BC743B5A-23A4-4972-A723-B8C103CCCE72}"/>
+              </a:ext>
+            </a:extLst>
+          </p:cNvPr>
+          <p:cNvPicPr>
+            <a:picLocks noChangeAspect="1"/>
+          </p:cNvPicPr>
+          <p:nvPr/>
+        </p:nvPicPr>
+        <p:blipFill>
+          <a:blip r:embed="rId2"/>
+          <a:stretch>
+            <a:fillRect/>
+          </a:stretch>
+        </p:blipFill>
+        <p:spPr>
+          <a:xfrm>
+            <a:off x="6854892" y="3950500"/>
+            <a:ext cx="2907500" cy="2907500"/>
+          </a:xfrm>
+          <a:prstGeom prst="rect">
+            <a:avLst/>
+          </a:prstGeom>
+        </p:spPr>
+      </p:pic>
     </p:spTree>
     <p:extLst>
       <p:ext uri="{BB962C8B-B14F-4D97-AF65-F5344CB8AC3E}">
@@ -4631,6 +4702,114 @@
           </a:p>
         </p:txBody>
       </p:sp>
+      <p:pic>
+        <p:nvPicPr>
+          <p:cNvPr id="7" name="Picture 6">
+            <a:extLst>
+              <a:ext uri="{FF2B5EF4-FFF2-40B4-BE49-F238E27FC236}">
+                <a16:creationId xmlns:a16="http://schemas.microsoft.com/office/drawing/2014/main" id="{6001AA04-C5AC-487B-AE01-50E321AB39FC}"/>
+              </a:ext>
+            </a:extLst>
+          </p:cNvPr>
+          <p:cNvPicPr>
+            <a:picLocks noChangeAspect="1"/>
+          </p:cNvPicPr>
+          <p:nvPr/>
+        </p:nvPicPr>
+        <p:blipFill>
+          <a:blip r:embed="rId2">
+            <a:extLst>
+              <a:ext uri="{28A0092B-C50C-407E-A947-70E740481C1C}">
+                <a14:useLocalDpi xmlns:a14="http://schemas.microsoft.com/office/drawing/2010/main" val="0"/>
+              </a:ext>
+            </a:extLst>
+          </a:blip>
+          <a:stretch>
+            <a:fillRect/>
+          </a:stretch>
+        </p:blipFill>
+        <p:spPr>
+          <a:xfrm>
+            <a:off x="9714066" y="5048760"/>
+            <a:ext cx="1761688" cy="1761688"/>
+          </a:xfrm>
+          <a:prstGeom prst="rect">
+            <a:avLst/>
+          </a:prstGeom>
+        </p:spPr>
+      </p:pic>
+      <p:pic>
+        <p:nvPicPr>
+          <p:cNvPr id="9" name="Picture 8">
+            <a:extLst>
+              <a:ext uri="{FF2B5EF4-FFF2-40B4-BE49-F238E27FC236}">
+                <a16:creationId xmlns:a16="http://schemas.microsoft.com/office/drawing/2014/main" id="{A8D39D51-EE71-4A67-A593-21DF6D07D349}"/>
+              </a:ext>
+            </a:extLst>
+          </p:cNvPr>
+          <p:cNvPicPr>
+            <a:picLocks noChangeAspect="1"/>
+          </p:cNvPicPr>
+          <p:nvPr/>
+        </p:nvPicPr>
+        <p:blipFill>
+          <a:blip r:embed="rId3">
+            <a:extLst>
+              <a:ext uri="{28A0092B-C50C-407E-A947-70E740481C1C}">
+                <a14:useLocalDpi xmlns:a14="http://schemas.microsoft.com/office/drawing/2010/main" val="0"/>
+              </a:ext>
+            </a:extLst>
+          </a:blip>
+          <a:stretch>
+            <a:fillRect/>
+          </a:stretch>
+        </p:blipFill>
+        <p:spPr>
+          <a:xfrm>
+            <a:off x="7952378" y="4910342"/>
+            <a:ext cx="1761688" cy="1761688"/>
+          </a:xfrm>
+          <a:prstGeom prst="rect">
+            <a:avLst/>
+          </a:prstGeom>
+        </p:spPr>
+      </p:pic>
+      <p:pic>
+        <p:nvPicPr>
+          <p:cNvPr id="11" name="Picture 10">
+            <a:extLst>
+              <a:ext uri="{FF2B5EF4-FFF2-40B4-BE49-F238E27FC236}">
+                <a16:creationId xmlns:a16="http://schemas.microsoft.com/office/drawing/2014/main" id="{46812433-1D53-402B-BD5A-EA80D3D84D88}"/>
+              </a:ext>
+            </a:extLst>
+          </p:cNvPr>
+          <p:cNvPicPr>
+            <a:picLocks noChangeAspect="1"/>
+          </p:cNvPicPr>
+          <p:nvPr/>
+        </p:nvPicPr>
+        <p:blipFill>
+          <a:blip r:embed="rId4">
+            <a:extLst>
+              <a:ext uri="{28A0092B-C50C-407E-A947-70E740481C1C}">
+                <a14:useLocalDpi xmlns:a14="http://schemas.microsoft.com/office/drawing/2010/main" val="0"/>
+              </a:ext>
+            </a:extLst>
+          </a:blip>
+          <a:stretch>
+            <a:fillRect/>
+          </a:stretch>
+        </p:blipFill>
+        <p:spPr>
+          <a:xfrm>
+            <a:off x="6203938" y="4910342"/>
+            <a:ext cx="1761687" cy="1761687"/>
+          </a:xfrm>
+          <a:prstGeom prst="rect">
+            <a:avLst/>
+          </a:prstGeom>
+        </p:spPr>
+      </p:pic>
     </p:spTree>
     <p:extLst>
       <p:ext uri="{BB962C8B-B14F-4D97-AF65-F5344CB8AC3E}">

--- a/Documents/Presentation2.pptx
+++ b/Documents/Presentation2.pptx
@@ -6,11 +6,13 @@
   </p:sldMasterIdLst>
   <p:sldIdLst>
     <p:sldId id="256" r:id="rId2"/>
-    <p:sldId id="258" r:id="rId3"/>
-    <p:sldId id="261" r:id="rId4"/>
+    <p:sldId id="263" r:id="rId3"/>
+    <p:sldId id="258" r:id="rId4"/>
     <p:sldId id="259" r:id="rId5"/>
-    <p:sldId id="260" r:id="rId6"/>
-    <p:sldId id="262" r:id="rId7"/>
+    <p:sldId id="264" r:id="rId6"/>
+    <p:sldId id="261" r:id="rId7"/>
+    <p:sldId id="260" r:id="rId8"/>
+    <p:sldId id="262" r:id="rId9"/>
   </p:sldIdLst>
   <p:sldSz cx="12192000" cy="6858000"/>
   <p:notesSz cx="6858000" cy="9144000"/>
@@ -3477,7 +3479,7 @@
           <p:cNvPr id="2" name="Title 1">
             <a:extLst>
               <a:ext uri="{FF2B5EF4-FFF2-40B4-BE49-F238E27FC236}">
-                <a16:creationId xmlns:a16="http://schemas.microsoft.com/office/drawing/2014/main" id="{CF39F133-C437-482D-AA53-366D51E2B2BD}"/>
+                <a16:creationId xmlns:a16="http://schemas.microsoft.com/office/drawing/2014/main" id="{20E6C582-65A4-48EA-8303-3220D1779346}"/>
               </a:ext>
             </a:extLst>
           </p:cNvPr>
@@ -3496,7 +3498,7 @@
             <a:pPr algn="ctr"/>
             <a:r>
               <a:rPr lang="en-US" dirty="0"/>
-              <a:t>Lore</a:t>
+              <a:t>Introduction</a:t>
             </a:r>
           </a:p>
         </p:txBody>
@@ -3506,7 +3508,7 @@
           <p:cNvPr id="3" name="Content Placeholder 2">
             <a:extLst>
               <a:ext uri="{FF2B5EF4-FFF2-40B4-BE49-F238E27FC236}">
-                <a16:creationId xmlns:a16="http://schemas.microsoft.com/office/drawing/2014/main" id="{A4D7B71F-CD91-4056-88A3-FF7F1F7CC7FA}"/>
+                <a16:creationId xmlns:a16="http://schemas.microsoft.com/office/drawing/2014/main" id="{73A3729D-2CF7-4134-94E2-D735D5E360EB}"/>
               </a:ext>
             </a:extLst>
           </p:cNvPr>
@@ -3522,69 +3524,38 @@
           <a:bodyPr/>
           <a:lstStyle/>
           <a:p>
-            <a:pPr marL="0" indent="0">
-              <a:buNone/>
-            </a:pPr>
+            <a:r>
+              <a:rPr lang="en-US" dirty="0" err="1"/>
+              <a:t>PibbliePums</a:t>
+            </a:r>
             <a:r>
               <a:rPr lang="en-US" dirty="0"/>
-              <a:t>Planet </a:t>
-            </a:r>
-            <a:r>
-              <a:rPr lang="en-US" dirty="0" err="1"/>
-              <a:t>Pum</a:t>
-            </a:r>
+              <a:t> is a real time virtual pet game</a:t>
+            </a:r>
+          </a:p>
+          <a:p>
             <a:r>
               <a:rPr lang="en-US" dirty="0"/>
-              <a:t> has had a sudden infestation of </a:t>
-            </a:r>
-            <a:r>
-              <a:rPr lang="en-US" dirty="0" err="1"/>
-              <a:t>Pibblies</a:t>
-            </a:r>
+              <a:t>The game is made using the SFML GEX engine in C++</a:t>
+            </a:r>
+          </a:p>
+          <a:p>
             <a:r>
               <a:rPr lang="en-US" dirty="0"/>
-              <a:t>, a creature that multiplies and evolves quickly. The </a:t>
-            </a:r>
-            <a:r>
-              <a:rPr lang="en-US" dirty="0" err="1"/>
-              <a:t>Pums</a:t>
-            </a:r>
+              <a:t>You can feed, play, and shop with your pet</a:t>
+            </a:r>
+          </a:p>
+          <a:p>
             <a:r>
               <a:rPr lang="en-US" dirty="0"/>
-              <a:t> see these creatures as vermin and have studied ways to prevent their rampant growth. In their research, the </a:t>
-            </a:r>
-            <a:r>
-              <a:rPr lang="en-US" dirty="0" err="1"/>
-              <a:t>Pums</a:t>
-            </a:r>
-            <a:r>
-              <a:rPr lang="en-US" dirty="0"/>
-              <a:t> notice that </a:t>
-            </a:r>
-            <a:r>
-              <a:rPr lang="en-US" dirty="0" err="1"/>
-              <a:t>Pibblie’s</a:t>
-            </a:r>
-            <a:r>
-              <a:rPr lang="en-US" dirty="0"/>
-              <a:t> growth rate is greatly stunted by large amount of oxygen. The </a:t>
-            </a:r>
-            <a:r>
-              <a:rPr lang="en-US" dirty="0" err="1"/>
-              <a:t>Pums</a:t>
-            </a:r>
-            <a:r>
-              <a:rPr lang="en-US" dirty="0"/>
-              <a:t> found a lone planet with large amount of oxygen, Earth. They quickly begin a project to warp the </a:t>
-            </a:r>
-            <a:r>
-              <a:rPr lang="en-US" dirty="0" err="1"/>
-              <a:t>Pibblie</a:t>
-            </a:r>
-            <a:r>
-              <a:rPr lang="en-US" dirty="0"/>
-              <a:t> eggs to this planet.</a:t>
-            </a:r>
+              <a:t>As you raise your pet, it evolves into multiple other forms</a:t>
+            </a:r>
+          </a:p>
+          <a:p>
+            <a:endParaRPr lang="en-US" dirty="0"/>
+          </a:p>
+          <a:p>
+            <a:endParaRPr lang="en-US" dirty="0"/>
           </a:p>
           <a:p>
             <a:endParaRPr lang="en-US" dirty="0"/>
@@ -3594,7 +3565,7 @@
     </p:spTree>
     <p:extLst>
       <p:ext uri="{BB962C8B-B14F-4D97-AF65-F5344CB8AC3E}">
-        <p14:creationId xmlns:p14="http://schemas.microsoft.com/office/powerpoint/2010/main" val="840915172"/>
+        <p14:creationId xmlns:p14="http://schemas.microsoft.com/office/powerpoint/2010/main" val="922984369"/>
       </p:ext>
     </p:extLst>
   </p:cSld>
@@ -3642,7 +3613,7 @@
           <p:cNvPr id="2" name="Title 1">
             <a:extLst>
               <a:ext uri="{FF2B5EF4-FFF2-40B4-BE49-F238E27FC236}">
-                <a16:creationId xmlns:a16="http://schemas.microsoft.com/office/drawing/2014/main" id="{C06DF511-34C8-4F46-9194-BADB68031195}"/>
+                <a16:creationId xmlns:a16="http://schemas.microsoft.com/office/drawing/2014/main" id="{CF39F133-C437-482D-AA53-366D51E2B2BD}"/>
               </a:ext>
             </a:extLst>
           </p:cNvPr>
@@ -3661,7 +3632,7 @@
             <a:pPr algn="ctr"/>
             <a:r>
               <a:rPr lang="en-US" dirty="0"/>
-              <a:t>Challenges</a:t>
+              <a:t>Lore</a:t>
             </a:r>
           </a:p>
         </p:txBody>
@@ -3671,7 +3642,7 @@
           <p:cNvPr id="3" name="Content Placeholder 2">
             <a:extLst>
               <a:ext uri="{FF2B5EF4-FFF2-40B4-BE49-F238E27FC236}">
-                <a16:creationId xmlns:a16="http://schemas.microsoft.com/office/drawing/2014/main" id="{15EF01E5-04F0-455D-BB9F-F4BDC608BBB4}"/>
+                <a16:creationId xmlns:a16="http://schemas.microsoft.com/office/drawing/2014/main" id="{A4D7B71F-CD91-4056-88A3-FF7F1F7CC7FA}"/>
               </a:ext>
             </a:extLst>
           </p:cNvPr>
@@ -3687,130 +3658,79 @@
           <a:bodyPr/>
           <a:lstStyle/>
           <a:p>
+            <a:pPr marL="0" indent="0">
+              <a:buNone/>
+            </a:pPr>
             <a:r>
               <a:rPr lang="en-US" dirty="0"/>
-              <a:t>Making my own assets</a:t>
-            </a:r>
-          </a:p>
-          <a:p>
-            <a:pPr lvl="1"/>
+              <a:t>Planet </a:t>
+            </a:r>
+            <a:r>
+              <a:rPr lang="en-US" dirty="0" err="1"/>
+              <a:t>Pum</a:t>
+            </a:r>
             <a:r>
               <a:rPr lang="en-US" dirty="0"/>
-              <a:t>Sprites</a:t>
-            </a:r>
-          </a:p>
-          <a:p>
-            <a:pPr lvl="2"/>
+              <a:t> has had a sudden infestation of </a:t>
+            </a:r>
+            <a:r>
+              <a:rPr lang="en-US" dirty="0" err="1"/>
+              <a:t>Pibblies</a:t>
+            </a:r>
             <a:r>
               <a:rPr lang="en-US" dirty="0"/>
-              <a:t>1 pet has 5 states (idle, happy, walking, sick, and upset)</a:t>
-            </a:r>
-          </a:p>
-          <a:p>
-            <a:pPr lvl="3"/>
+              <a:t>, a creature that multiplies and evolves quickly. The </a:t>
+            </a:r>
+            <a:r>
+              <a:rPr lang="en-US" dirty="0" err="1"/>
+              <a:t>Pums</a:t>
+            </a:r>
             <a:r>
               <a:rPr lang="en-US" dirty="0"/>
-              <a:t>Each state has 2 frames </a:t>
-            </a:r>
-          </a:p>
-          <a:p>
-            <a:pPr lvl="2"/>
+              <a:t> see these creatures as vermin and have studied ways to prevent their rampant growth. In their research, the </a:t>
+            </a:r>
+            <a:r>
+              <a:rPr lang="en-US" dirty="0" err="1"/>
+              <a:t>Pums</a:t>
+            </a:r>
             <a:r>
               <a:rPr lang="en-US" dirty="0"/>
-              <a:t>Every icon and background</a:t>
-            </a:r>
-          </a:p>
-          <a:p>
-            <a:pPr lvl="2"/>
+              <a:t> notice that </a:t>
+            </a:r>
+            <a:r>
+              <a:rPr lang="en-US" dirty="0" err="1"/>
+              <a:t>Pibblie’s</a:t>
+            </a:r>
             <a:r>
               <a:rPr lang="en-US" dirty="0"/>
-              <a:t>The amount of sprite art was a lot more work than I was expecting</a:t>
-            </a:r>
-          </a:p>
-          <a:p>
-            <a:pPr lvl="1"/>
+              <a:t> growth rate is greatly stunted by large amount of oxygen. The </a:t>
+            </a:r>
+            <a:r>
+              <a:rPr lang="en-US" dirty="0" err="1"/>
+              <a:t>Pums</a:t>
+            </a:r>
             <a:r>
               <a:rPr lang="en-US" dirty="0"/>
-              <a:t>Sounds</a:t>
-            </a:r>
-          </a:p>
-          <a:p>
-            <a:pPr lvl="2"/>
+              <a:t> found a lone planet with large amount of oxygen, Earth. They quickly begin a project to warp the </a:t>
+            </a:r>
+            <a:r>
+              <a:rPr lang="en-US" dirty="0" err="1"/>
+              <a:t>Pibblie</a:t>
+            </a:r>
             <a:r>
               <a:rPr lang="en-US" dirty="0"/>
-              <a:t>I created all the sounds</a:t>
-            </a:r>
-          </a:p>
-          <a:p>
-            <a:r>
-              <a:rPr lang="en-US" dirty="0"/>
-              <a:t>State Interaction</a:t>
-            </a:r>
-          </a:p>
-          <a:p>
-            <a:pPr lvl="1"/>
-            <a:r>
-              <a:rPr lang="en-US" dirty="0"/>
-              <a:t>Passing data without using parameters</a:t>
-            </a:r>
-          </a:p>
-          <a:p>
-            <a:pPr lvl="1"/>
-            <a:r>
-              <a:rPr lang="en-US" dirty="0"/>
-              <a:t>Learning singleton design</a:t>
-            </a:r>
-          </a:p>
-          <a:p>
-            <a:pPr lvl="2"/>
+              <a:t> eggs to this planet.</a:t>
+            </a:r>
+          </a:p>
+          <a:p>
             <a:endParaRPr lang="en-US" dirty="0"/>
           </a:p>
-          <a:p>
-            <a:pPr lvl="1"/>
-            <a:endParaRPr lang="en-US" dirty="0"/>
-          </a:p>
-        </p:txBody>
-      </p:sp>
-      <p:pic>
-        <p:nvPicPr>
-          <p:cNvPr id="5" name="Picture 4">
-            <a:extLst>
-              <a:ext uri="{FF2B5EF4-FFF2-40B4-BE49-F238E27FC236}">
-                <a16:creationId xmlns:a16="http://schemas.microsoft.com/office/drawing/2014/main" id="{4A6B41F3-E14D-4E32-ADA7-125F5FBAB4DD}"/>
-              </a:ext>
-            </a:extLst>
-          </p:cNvPr>
-          <p:cNvPicPr>
-            <a:picLocks noChangeAspect="1"/>
-          </p:cNvPicPr>
-          <p:nvPr/>
-        </p:nvPicPr>
-        <p:blipFill>
-          <a:blip r:embed="rId2">
-            <a:extLst>
-              <a:ext uri="{28A0092B-C50C-407E-A947-70E740481C1C}">
-                <a14:useLocalDpi xmlns:a14="http://schemas.microsoft.com/office/drawing/2010/main" val="0"/>
-              </a:ext>
-            </a:extLst>
-          </a:blip>
-          <a:stretch>
-            <a:fillRect/>
-          </a:stretch>
-        </p:blipFill>
-        <p:spPr>
-          <a:xfrm>
-            <a:off x="7432645" y="4131331"/>
-            <a:ext cx="3414320" cy="2560740"/>
-          </a:xfrm>
-          <a:prstGeom prst="rect">
-            <a:avLst/>
-          </a:prstGeom>
-        </p:spPr>
-      </p:pic>
+        </p:txBody>
+      </p:sp>
     </p:spTree>
     <p:extLst>
       <p:ext uri="{BB962C8B-B14F-4D97-AF65-F5344CB8AC3E}">
-        <p14:creationId xmlns:p14="http://schemas.microsoft.com/office/powerpoint/2010/main" val="2335666709"/>
+        <p14:creationId xmlns:p14="http://schemas.microsoft.com/office/powerpoint/2010/main" val="840915172"/>
       </p:ext>
     </p:extLst>
   </p:cSld>
@@ -4330,6 +4250,465 @@
           <p:cNvPr id="2" name="Title 1">
             <a:extLst>
               <a:ext uri="{FF2B5EF4-FFF2-40B4-BE49-F238E27FC236}">
+                <a16:creationId xmlns:a16="http://schemas.microsoft.com/office/drawing/2014/main" id="{CAB7C890-0E28-49AB-9D6A-4A695757CC51}"/>
+              </a:ext>
+            </a:extLst>
+          </p:cNvPr>
+          <p:cNvSpPr>
+            <a:spLocks noGrp="1"/>
+          </p:cNvSpPr>
+          <p:nvPr>
+            <p:ph type="title"/>
+          </p:nvPr>
+        </p:nvSpPr>
+        <p:spPr/>
+        <p:txBody>
+          <a:bodyPr/>
+          <a:lstStyle/>
+          <a:p>
+            <a:pPr algn="ctr"/>
+            <a:r>
+              <a:rPr lang="en-US" dirty="0"/>
+              <a:t>Game Screens</a:t>
+            </a:r>
+          </a:p>
+        </p:txBody>
+      </p:sp>
+      <p:pic>
+        <p:nvPicPr>
+          <p:cNvPr id="4" name="Content Placeholder 3">
+            <a:extLst>
+              <a:ext uri="{FF2B5EF4-FFF2-40B4-BE49-F238E27FC236}">
+                <a16:creationId xmlns:a16="http://schemas.microsoft.com/office/drawing/2014/main" id="{78350508-B682-478A-9B3C-55EEA4E2B84B}"/>
+              </a:ext>
+            </a:extLst>
+          </p:cNvPr>
+          <p:cNvPicPr>
+            <a:picLocks noGrp="1" noChangeAspect="1"/>
+          </p:cNvPicPr>
+          <p:nvPr>
+            <p:ph idx="1"/>
+          </p:nvPr>
+        </p:nvPicPr>
+        <p:blipFill>
+          <a:blip r:embed="rId2"/>
+          <a:stretch>
+            <a:fillRect/>
+          </a:stretch>
+        </p:blipFill>
+        <p:spPr>
+          <a:xfrm>
+            <a:off x="832149" y="1422966"/>
+            <a:ext cx="2366282" cy="2341887"/>
+          </a:xfrm>
+          <a:prstGeom prst="rect">
+            <a:avLst/>
+          </a:prstGeom>
+        </p:spPr>
+      </p:pic>
+      <p:pic>
+        <p:nvPicPr>
+          <p:cNvPr id="5" name="Picture 4">
+            <a:extLst>
+              <a:ext uri="{FF2B5EF4-FFF2-40B4-BE49-F238E27FC236}">
+                <a16:creationId xmlns:a16="http://schemas.microsoft.com/office/drawing/2014/main" id="{EF0667AD-BA4B-44B1-909D-257B66B78002}"/>
+              </a:ext>
+            </a:extLst>
+          </p:cNvPr>
+          <p:cNvPicPr>
+            <a:picLocks noChangeAspect="1"/>
+          </p:cNvPicPr>
+          <p:nvPr/>
+        </p:nvPicPr>
+        <p:blipFill>
+          <a:blip r:embed="rId3"/>
+          <a:stretch>
+            <a:fillRect/>
+          </a:stretch>
+        </p:blipFill>
+        <p:spPr>
+          <a:xfrm>
+            <a:off x="4912859" y="1502325"/>
+            <a:ext cx="2360231" cy="2341887"/>
+          </a:xfrm>
+          <a:prstGeom prst="rect">
+            <a:avLst/>
+          </a:prstGeom>
+        </p:spPr>
+      </p:pic>
+      <p:pic>
+        <p:nvPicPr>
+          <p:cNvPr id="6" name="Picture 5">
+            <a:extLst>
+              <a:ext uri="{FF2B5EF4-FFF2-40B4-BE49-F238E27FC236}">
+                <a16:creationId xmlns:a16="http://schemas.microsoft.com/office/drawing/2014/main" id="{00B77778-5744-4605-B004-FA7A52249858}"/>
+              </a:ext>
+            </a:extLst>
+          </p:cNvPr>
+          <p:cNvPicPr>
+            <a:picLocks noChangeAspect="1"/>
+          </p:cNvPicPr>
+          <p:nvPr/>
+        </p:nvPicPr>
+        <p:blipFill>
+          <a:blip r:embed="rId4"/>
+          <a:stretch>
+            <a:fillRect/>
+          </a:stretch>
+        </p:blipFill>
+        <p:spPr>
+          <a:xfrm>
+            <a:off x="2803265" y="4058720"/>
+            <a:ext cx="2587120" cy="2593910"/>
+          </a:xfrm>
+          <a:prstGeom prst="rect">
+            <a:avLst/>
+          </a:prstGeom>
+        </p:spPr>
+      </p:pic>
+      <p:pic>
+        <p:nvPicPr>
+          <p:cNvPr id="7" name="Picture 6">
+            <a:extLst>
+              <a:ext uri="{FF2B5EF4-FFF2-40B4-BE49-F238E27FC236}">
+                <a16:creationId xmlns:a16="http://schemas.microsoft.com/office/drawing/2014/main" id="{A1AAAB83-B2D2-4242-A800-670DF4016DCB}"/>
+              </a:ext>
+            </a:extLst>
+          </p:cNvPr>
+          <p:cNvPicPr>
+            <a:picLocks noChangeAspect="1"/>
+          </p:cNvPicPr>
+          <p:nvPr/>
+        </p:nvPicPr>
+        <p:blipFill>
+          <a:blip r:embed="rId5"/>
+          <a:stretch>
+            <a:fillRect/>
+          </a:stretch>
+        </p:blipFill>
+        <p:spPr>
+          <a:xfrm>
+            <a:off x="8987519" y="1604962"/>
+            <a:ext cx="2360230" cy="2354084"/>
+          </a:xfrm>
+          <a:prstGeom prst="rect">
+            <a:avLst/>
+          </a:prstGeom>
+        </p:spPr>
+      </p:pic>
+      <p:pic>
+        <p:nvPicPr>
+          <p:cNvPr id="8" name="Picture 7">
+            <a:extLst>
+              <a:ext uri="{FF2B5EF4-FFF2-40B4-BE49-F238E27FC236}">
+                <a16:creationId xmlns:a16="http://schemas.microsoft.com/office/drawing/2014/main" id="{A2EE513F-0426-4C80-9F8F-5151442B8933}"/>
+              </a:ext>
+            </a:extLst>
+          </p:cNvPr>
+          <p:cNvPicPr>
+            <a:picLocks noChangeAspect="1"/>
+          </p:cNvPicPr>
+          <p:nvPr/>
+        </p:nvPicPr>
+        <p:blipFill>
+          <a:blip r:embed="rId6"/>
+          <a:stretch>
+            <a:fillRect/>
+          </a:stretch>
+        </p:blipFill>
+        <p:spPr>
+          <a:xfrm>
+            <a:off x="6798525" y="4067333"/>
+            <a:ext cx="2590210" cy="2576684"/>
+          </a:xfrm>
+          <a:prstGeom prst="rect">
+            <a:avLst/>
+          </a:prstGeom>
+        </p:spPr>
+      </p:pic>
+    </p:spTree>
+    <p:extLst>
+      <p:ext uri="{BB962C8B-B14F-4D97-AF65-F5344CB8AC3E}">
+        <p14:creationId xmlns:p14="http://schemas.microsoft.com/office/powerpoint/2010/main" val="2521409897"/>
+      </p:ext>
+    </p:extLst>
+  </p:cSld>
+  <p:clrMapOvr>
+    <a:masterClrMapping/>
+  </p:clrMapOvr>
+</p:sld>
+</file>
+
+<file path=ppt/slides/slide6.xml><?xml version="1.0" encoding="utf-8"?>
+<p:sld xmlns:a="http://schemas.openxmlformats.org/drawingml/2006/main" xmlns:r="http://schemas.openxmlformats.org/officeDocument/2006/relationships" xmlns:p="http://schemas.openxmlformats.org/presentationml/2006/main">
+  <p:cSld>
+    <p:bg>
+      <p:bgPr>
+        <a:gradFill>
+          <a:gsLst>
+            <a:gs pos="0">
+              <a:srgbClr val="FFFFCC"/>
+            </a:gs>
+            <a:gs pos="76000">
+              <a:srgbClr val="BFF9BB"/>
+            </a:gs>
+          </a:gsLst>
+          <a:lin ang="5400000" scaled="1"/>
+        </a:gradFill>
+        <a:effectLst/>
+      </p:bgPr>
+    </p:bg>
+    <p:spTree>
+      <p:nvGrpSpPr>
+        <p:cNvPr id="1" name=""/>
+        <p:cNvGrpSpPr/>
+        <p:nvPr/>
+      </p:nvGrpSpPr>
+      <p:grpSpPr>
+        <a:xfrm>
+          <a:off x="0" y="0"/>
+          <a:ext cx="0" cy="0"/>
+          <a:chOff x="0" y="0"/>
+          <a:chExt cx="0" cy="0"/>
+        </a:xfrm>
+      </p:grpSpPr>
+      <p:sp>
+        <p:nvSpPr>
+          <p:cNvPr id="2" name="Title 1">
+            <a:extLst>
+              <a:ext uri="{FF2B5EF4-FFF2-40B4-BE49-F238E27FC236}">
+                <a16:creationId xmlns:a16="http://schemas.microsoft.com/office/drawing/2014/main" id="{C06DF511-34C8-4F46-9194-BADB68031195}"/>
+              </a:ext>
+            </a:extLst>
+          </p:cNvPr>
+          <p:cNvSpPr>
+            <a:spLocks noGrp="1"/>
+          </p:cNvSpPr>
+          <p:nvPr>
+            <p:ph type="title"/>
+          </p:nvPr>
+        </p:nvSpPr>
+        <p:spPr/>
+        <p:txBody>
+          <a:bodyPr/>
+          <a:lstStyle/>
+          <a:p>
+            <a:pPr algn="ctr"/>
+            <a:r>
+              <a:rPr lang="en-US" dirty="0"/>
+              <a:t>Challenges</a:t>
+            </a:r>
+          </a:p>
+        </p:txBody>
+      </p:sp>
+      <p:sp>
+        <p:nvSpPr>
+          <p:cNvPr id="3" name="Content Placeholder 2">
+            <a:extLst>
+              <a:ext uri="{FF2B5EF4-FFF2-40B4-BE49-F238E27FC236}">
+                <a16:creationId xmlns:a16="http://schemas.microsoft.com/office/drawing/2014/main" id="{15EF01E5-04F0-455D-BB9F-F4BDC608BBB4}"/>
+              </a:ext>
+            </a:extLst>
+          </p:cNvPr>
+          <p:cNvSpPr>
+            <a:spLocks noGrp="1"/>
+          </p:cNvSpPr>
+          <p:nvPr>
+            <p:ph idx="1"/>
+          </p:nvPr>
+        </p:nvSpPr>
+        <p:spPr/>
+        <p:txBody>
+          <a:bodyPr>
+            <a:normAutofit fontScale="92500" lnSpcReduction="10000"/>
+          </a:bodyPr>
+          <a:lstStyle/>
+          <a:p>
+            <a:r>
+              <a:rPr lang="en-US" dirty="0"/>
+              <a:t>Making my own assets</a:t>
+            </a:r>
+          </a:p>
+          <a:p>
+            <a:pPr lvl="1"/>
+            <a:r>
+              <a:rPr lang="en-US" dirty="0"/>
+              <a:t>Sprites</a:t>
+            </a:r>
+          </a:p>
+          <a:p>
+            <a:pPr lvl="2"/>
+            <a:r>
+              <a:rPr lang="en-US" dirty="0"/>
+              <a:t>1 pet has 5 states (idle, happy, walking, sick, and upset)</a:t>
+            </a:r>
+          </a:p>
+          <a:p>
+            <a:pPr lvl="3"/>
+            <a:r>
+              <a:rPr lang="en-US" dirty="0"/>
+              <a:t>Each state has 2 frames </a:t>
+            </a:r>
+          </a:p>
+          <a:p>
+            <a:pPr lvl="2"/>
+            <a:r>
+              <a:rPr lang="en-US" dirty="0"/>
+              <a:t>Every icon and background</a:t>
+            </a:r>
+          </a:p>
+          <a:p>
+            <a:pPr lvl="2"/>
+            <a:r>
+              <a:rPr lang="en-US" dirty="0"/>
+              <a:t>The amount of sprite art was a lot more work than I was expecting</a:t>
+            </a:r>
+          </a:p>
+          <a:p>
+            <a:pPr lvl="1"/>
+            <a:r>
+              <a:rPr lang="en-US" dirty="0"/>
+              <a:t>Sounds</a:t>
+            </a:r>
+          </a:p>
+          <a:p>
+            <a:pPr lvl="2"/>
+            <a:r>
+              <a:rPr lang="en-US" dirty="0"/>
+              <a:t>I created all the sounds</a:t>
+            </a:r>
+          </a:p>
+          <a:p>
+            <a:pPr lvl="1"/>
+            <a:r>
+              <a:rPr lang="en-US" dirty="0"/>
+              <a:t>Music</a:t>
+            </a:r>
+          </a:p>
+          <a:p>
+            <a:pPr lvl="2"/>
+            <a:r>
+              <a:rPr lang="en-US" dirty="0"/>
+              <a:t>Required specialized hardware and skills</a:t>
+            </a:r>
+          </a:p>
+          <a:p>
+            <a:r>
+              <a:rPr lang="en-US" dirty="0"/>
+              <a:t>State Interaction</a:t>
+            </a:r>
+          </a:p>
+          <a:p>
+            <a:pPr lvl="1"/>
+            <a:r>
+              <a:rPr lang="en-US" dirty="0"/>
+              <a:t>Passing data without using parameters</a:t>
+            </a:r>
+          </a:p>
+          <a:p>
+            <a:pPr lvl="1"/>
+            <a:r>
+              <a:rPr lang="en-US" dirty="0"/>
+              <a:t>Learning singleton design</a:t>
+            </a:r>
+          </a:p>
+          <a:p>
+            <a:pPr lvl="2"/>
+            <a:endParaRPr lang="en-US" dirty="0"/>
+          </a:p>
+          <a:p>
+            <a:pPr lvl="1"/>
+            <a:endParaRPr lang="en-US" dirty="0"/>
+          </a:p>
+        </p:txBody>
+      </p:sp>
+      <p:pic>
+        <p:nvPicPr>
+          <p:cNvPr id="5" name="Picture 4">
+            <a:extLst>
+              <a:ext uri="{FF2B5EF4-FFF2-40B4-BE49-F238E27FC236}">
+                <a16:creationId xmlns:a16="http://schemas.microsoft.com/office/drawing/2014/main" id="{4A6B41F3-E14D-4E32-ADA7-125F5FBAB4DD}"/>
+              </a:ext>
+            </a:extLst>
+          </p:cNvPr>
+          <p:cNvPicPr>
+            <a:picLocks noChangeAspect="1"/>
+          </p:cNvPicPr>
+          <p:nvPr/>
+        </p:nvPicPr>
+        <p:blipFill>
+          <a:blip r:embed="rId2">
+            <a:extLst>
+              <a:ext uri="{28A0092B-C50C-407E-A947-70E740481C1C}">
+                <a14:useLocalDpi xmlns:a14="http://schemas.microsoft.com/office/drawing/2010/main" val="0"/>
+              </a:ext>
+            </a:extLst>
+          </a:blip>
+          <a:stretch>
+            <a:fillRect/>
+          </a:stretch>
+        </p:blipFill>
+        <p:spPr>
+          <a:xfrm>
+            <a:off x="7432645" y="4131331"/>
+            <a:ext cx="3414320" cy="2560740"/>
+          </a:xfrm>
+          <a:prstGeom prst="rect">
+            <a:avLst/>
+          </a:prstGeom>
+        </p:spPr>
+      </p:pic>
+    </p:spTree>
+    <p:extLst>
+      <p:ext uri="{BB962C8B-B14F-4D97-AF65-F5344CB8AC3E}">
+        <p14:creationId xmlns:p14="http://schemas.microsoft.com/office/powerpoint/2010/main" val="2335666709"/>
+      </p:ext>
+    </p:extLst>
+  </p:cSld>
+  <p:clrMapOvr>
+    <a:masterClrMapping/>
+  </p:clrMapOvr>
+</p:sld>
+</file>
+
+<file path=ppt/slides/slide7.xml><?xml version="1.0" encoding="utf-8"?>
+<p:sld xmlns:a="http://schemas.openxmlformats.org/drawingml/2006/main" xmlns:r="http://schemas.openxmlformats.org/officeDocument/2006/relationships" xmlns:p="http://schemas.openxmlformats.org/presentationml/2006/main">
+  <p:cSld>
+    <p:bg>
+      <p:bgPr>
+        <a:gradFill>
+          <a:gsLst>
+            <a:gs pos="0">
+              <a:srgbClr val="FFFFCC"/>
+            </a:gs>
+            <a:gs pos="76000">
+              <a:srgbClr val="BFF9BB"/>
+            </a:gs>
+          </a:gsLst>
+          <a:lin ang="5400000" scaled="1"/>
+        </a:gradFill>
+        <a:effectLst/>
+      </p:bgPr>
+    </p:bg>
+    <p:spTree>
+      <p:nvGrpSpPr>
+        <p:cNvPr id="1" name=""/>
+        <p:cNvGrpSpPr/>
+        <p:nvPr/>
+      </p:nvGrpSpPr>
+      <p:grpSpPr>
+        <a:xfrm>
+          <a:off x="0" y="0"/>
+          <a:ext cx="0" cy="0"/>
+          <a:chOff x="0" y="0"/>
+          <a:chExt cx="0" cy="0"/>
+        </a:xfrm>
+      </p:grpSpPr>
+      <p:sp>
+        <p:nvSpPr>
+          <p:cNvPr id="2" name="Title 1">
+            <a:extLst>
+              <a:ext uri="{FF2B5EF4-FFF2-40B4-BE49-F238E27FC236}">
                 <a16:creationId xmlns:a16="http://schemas.microsoft.com/office/drawing/2014/main" id="{81EBEB76-10B8-459B-A483-DC275A982F27}"/>
               </a:ext>
             </a:extLst>
@@ -4823,7 +5202,7 @@
 </p:sld>
 </file>
 
-<file path=ppt/slides/slide6.xml><?xml version="1.0" encoding="utf-8"?>
+<file path=ppt/slides/slide8.xml><?xml version="1.0" encoding="utf-8"?>
 <p:sld xmlns:a="http://schemas.openxmlformats.org/drawingml/2006/main" xmlns:r="http://schemas.openxmlformats.org/officeDocument/2006/relationships" xmlns:p="http://schemas.openxmlformats.org/presentationml/2006/main">
   <p:cSld>
     <p:bg>
